--- a/9_BinaryTree/8_AVL/AVL树旋转思路分析.pptx
+++ b/9_BinaryTree/8_AVL/AVL树旋转思路分析.pptx
@@ -104,6 +104,11 @@
       </a:defRPr>
     </a:lvl9pPr>
   </p:defaultTextStyle>
+  <p:extLst>
+    <p:ext uri="{EFAFB233-063F-42B5-8137-9DF3F51BA10A}">
+      <p15:sldGuideLst xmlns:p15="http://schemas.microsoft.com/office/powerpoint/2012/main"/>
+    </p:ext>
+  </p:extLst>
 </p:presentation>
 </file>
 
@@ -256,7 +261,7 @@
           <a:p>
             <a:fld id="{271A724E-1DD8-4A67-BB12-444B089A282C}" type="datetimeFigureOut">
               <a:rPr lang="en-GB" smtClean="0"/>
-              <a:t>26/12/2023</a:t>
+              <a:t>10/01/2024</a:t>
             </a:fld>
             <a:endParaRPr lang="en-GB"/>
           </a:p>
@@ -456,7 +461,7 @@
           <a:p>
             <a:fld id="{271A724E-1DD8-4A67-BB12-444B089A282C}" type="datetimeFigureOut">
               <a:rPr lang="en-GB" smtClean="0"/>
-              <a:t>26/12/2023</a:t>
+              <a:t>10/01/2024</a:t>
             </a:fld>
             <a:endParaRPr lang="en-GB"/>
           </a:p>
@@ -666,7 +671,7 @@
           <a:p>
             <a:fld id="{271A724E-1DD8-4A67-BB12-444B089A282C}" type="datetimeFigureOut">
               <a:rPr lang="en-GB" smtClean="0"/>
-              <a:t>26/12/2023</a:t>
+              <a:t>10/01/2024</a:t>
             </a:fld>
             <a:endParaRPr lang="en-GB"/>
           </a:p>
@@ -866,7 +871,7 @@
           <a:p>
             <a:fld id="{271A724E-1DD8-4A67-BB12-444B089A282C}" type="datetimeFigureOut">
               <a:rPr lang="en-GB" smtClean="0"/>
-              <a:t>26/12/2023</a:t>
+              <a:t>10/01/2024</a:t>
             </a:fld>
             <a:endParaRPr lang="en-GB"/>
           </a:p>
@@ -1142,7 +1147,7 @@
           <a:p>
             <a:fld id="{271A724E-1DD8-4A67-BB12-444B089A282C}" type="datetimeFigureOut">
               <a:rPr lang="en-GB" smtClean="0"/>
-              <a:t>26/12/2023</a:t>
+              <a:t>10/01/2024</a:t>
             </a:fld>
             <a:endParaRPr lang="en-GB"/>
           </a:p>
@@ -1410,7 +1415,7 @@
           <a:p>
             <a:fld id="{271A724E-1DD8-4A67-BB12-444B089A282C}" type="datetimeFigureOut">
               <a:rPr lang="en-GB" smtClean="0"/>
-              <a:t>26/12/2023</a:t>
+              <a:t>10/01/2024</a:t>
             </a:fld>
             <a:endParaRPr lang="en-GB"/>
           </a:p>
@@ -1825,7 +1830,7 @@
           <a:p>
             <a:fld id="{271A724E-1DD8-4A67-BB12-444B089A282C}" type="datetimeFigureOut">
               <a:rPr lang="en-GB" smtClean="0"/>
-              <a:t>26/12/2023</a:t>
+              <a:t>10/01/2024</a:t>
             </a:fld>
             <a:endParaRPr lang="en-GB"/>
           </a:p>
@@ -1967,7 +1972,7 @@
           <a:p>
             <a:fld id="{271A724E-1DD8-4A67-BB12-444B089A282C}" type="datetimeFigureOut">
               <a:rPr lang="en-GB" smtClean="0"/>
-              <a:t>26/12/2023</a:t>
+              <a:t>10/01/2024</a:t>
             </a:fld>
             <a:endParaRPr lang="en-GB"/>
           </a:p>
@@ -2080,7 +2085,7 @@
           <a:p>
             <a:fld id="{271A724E-1DD8-4A67-BB12-444B089A282C}" type="datetimeFigureOut">
               <a:rPr lang="en-GB" smtClean="0"/>
-              <a:t>26/12/2023</a:t>
+              <a:t>10/01/2024</a:t>
             </a:fld>
             <a:endParaRPr lang="en-GB"/>
           </a:p>
@@ -2393,7 +2398,7 @@
           <a:p>
             <a:fld id="{271A724E-1DD8-4A67-BB12-444B089A282C}" type="datetimeFigureOut">
               <a:rPr lang="en-GB" smtClean="0"/>
-              <a:t>26/12/2023</a:t>
+              <a:t>10/01/2024</a:t>
             </a:fld>
             <a:endParaRPr lang="en-GB"/>
           </a:p>
@@ -2682,7 +2687,7 @@
           <a:p>
             <a:fld id="{271A724E-1DD8-4A67-BB12-444B089A282C}" type="datetimeFigureOut">
               <a:rPr lang="en-GB" smtClean="0"/>
-              <a:t>26/12/2023</a:t>
+              <a:t>10/01/2024</a:t>
             </a:fld>
             <a:endParaRPr lang="en-GB"/>
           </a:p>
@@ -2925,7 +2930,7 @@
           <a:p>
             <a:fld id="{271A724E-1DD8-4A67-BB12-444B089A282C}" type="datetimeFigureOut">
               <a:rPr lang="en-GB" smtClean="0"/>
-              <a:t>26/12/2023</a:t>
+              <a:t>10/01/2024</a:t>
             </a:fld>
             <a:endParaRPr lang="en-GB"/>
           </a:p>
@@ -4184,8 +4189,8 @@
         </p:nvSpPr>
         <p:spPr>
           <a:xfrm>
-            <a:off x="2999810" y="987549"/>
-            <a:ext cx="7457491" cy="1600438"/>
+            <a:off x="3296707" y="775201"/>
+            <a:ext cx="6452407" cy="2708434"/>
           </a:xfrm>
           <a:prstGeom prst="rect">
             <a:avLst/>
@@ -4199,120 +4204,163 @@
           <a:lstStyle/>
           <a:p>
             <a:r>
-              <a:rPr lang="en-US" altLang="zh-CN" sz="1400" dirty="0"/>
+              <a:rPr lang="zh-CN" altLang="en-US" sz="1200" dirty="0"/>
+              <a:t>左旋转思路，向左旋转。</a:t>
+            </a:r>
+            <a:endParaRPr lang="en-US" altLang="zh-CN" sz="1200" dirty="0"/>
+          </a:p>
+          <a:p>
+            <a:endParaRPr lang="en-US" altLang="zh-CN" sz="1200" dirty="0"/>
+          </a:p>
+          <a:p>
+            <a:r>
+              <a:rPr lang="en-US" altLang="zh-CN" sz="1200" dirty="0"/>
               <a:t>1, </a:t>
             </a:r>
             <a:r>
+              <a:rPr lang="zh-CN" altLang="en-US" sz="1200" dirty="0"/>
+              <a:t>首先新建一个临时节点</a:t>
+            </a:r>
+            <a:r>
+              <a:rPr lang="en-GB" altLang="zh-CN" sz="1200" dirty="0" err="1"/>
+              <a:t>newNode</a:t>
+            </a:r>
+            <a:r>
+              <a:rPr lang="zh-CN" altLang="en-US" sz="1200" dirty="0"/>
+              <a:t>，存储根节点的值；</a:t>
+            </a:r>
+            <a:endParaRPr lang="en-GB" altLang="zh-CN" sz="1200" dirty="0"/>
+          </a:p>
+          <a:p>
+            <a:endParaRPr lang="en-GB" altLang="zh-CN" sz="1200" dirty="0"/>
+          </a:p>
+          <a:p>
+            <a:r>
+              <a:rPr lang="en-GB" altLang="zh-CN" sz="1200" dirty="0"/>
+              <a:t>2,</a:t>
+            </a:r>
+            <a:r>
+              <a:rPr lang="zh-CN" altLang="en-US" sz="1200" dirty="0"/>
+              <a:t> 然后把这个新节点左边指向原根节点的左节点，右边指向根节点</a:t>
+            </a:r>
+            <a:r>
+              <a:rPr lang="en-GB" altLang="zh-CN" sz="1200" dirty="0"/>
+              <a:t>2</a:t>
+            </a:r>
+            <a:r>
+              <a:rPr lang="zh-CN" altLang="en-US" sz="1200" dirty="0"/>
+              <a:t>的右节点</a:t>
+            </a:r>
+            <a:r>
+              <a:rPr lang="en-GB" altLang="zh-CN" sz="1200" dirty="0"/>
+              <a:t>(4)</a:t>
+            </a:r>
+            <a:r>
+              <a:rPr lang="zh-CN" altLang="en-US" sz="1200" dirty="0"/>
+              <a:t>的左节点</a:t>
+            </a:r>
+            <a:r>
+              <a:rPr lang="en-GB" altLang="zh-CN" sz="1200" dirty="0"/>
+              <a:t>(3)</a:t>
+            </a:r>
+            <a:r>
+              <a:rPr lang="zh-CN" altLang="en-US" sz="1200" dirty="0"/>
+              <a:t>。</a:t>
+            </a:r>
+            <a:endParaRPr lang="en-GB" altLang="zh-CN" sz="1200" dirty="0"/>
+          </a:p>
+          <a:p>
+            <a:r>
+              <a:rPr lang="en-GB" altLang="zh-CN" sz="1200" dirty="0"/>
+              <a:t>    </a:t>
+            </a:r>
+            <a:r>
+              <a:rPr lang="zh-CN" altLang="en-US" sz="1200" dirty="0"/>
+              <a:t>原因，因为左子树上的值都比父节点大，所以新节点右边指向</a:t>
+            </a:r>
+            <a:r>
+              <a:rPr lang="en-GB" altLang="zh-CN" sz="1200" dirty="0"/>
+              <a:t>3</a:t>
+            </a:r>
+            <a:r>
+              <a:rPr lang="zh-CN" altLang="en-US" sz="1200" dirty="0"/>
+              <a:t>；</a:t>
+            </a:r>
+            <a:endParaRPr lang="en-GB" altLang="zh-CN" sz="1200" dirty="0"/>
+          </a:p>
+          <a:p>
+            <a:endParaRPr lang="en-GB" altLang="zh-CN" sz="1200" dirty="0"/>
+          </a:p>
+          <a:p>
+            <a:r>
+              <a:rPr lang="en-GB" altLang="zh-CN" sz="1200" dirty="0"/>
+              <a:t>3,</a:t>
+            </a:r>
+            <a:r>
+              <a:rPr lang="zh-CN" altLang="en-US" sz="1200" dirty="0"/>
+              <a:t> 把</a:t>
+            </a:r>
+            <a:r>
+              <a:rPr lang="en-GB" altLang="zh-CN" sz="1200" dirty="0"/>
+              <a:t>(4)</a:t>
+            </a:r>
+            <a:r>
+              <a:rPr lang="zh-CN" altLang="en-US" sz="1200" dirty="0"/>
+              <a:t>变为根节点，</a:t>
+            </a:r>
+            <a:r>
+              <a:rPr lang="en-GB" altLang="zh-CN" sz="1200" dirty="0"/>
+              <a:t>(4)</a:t>
+            </a:r>
+            <a:r>
+              <a:rPr lang="zh-CN" altLang="en-US" sz="1200" dirty="0"/>
+              <a:t>的左边指向临时节点；</a:t>
+            </a:r>
+            <a:endParaRPr lang="en-GB" altLang="zh-CN" sz="1200" dirty="0"/>
+          </a:p>
+          <a:p>
+            <a:r>
+              <a:rPr lang="zh-CN" altLang="en-US" sz="1200" dirty="0"/>
+              <a:t>以上步骤就完成了一次调整。因此需要在添加新节点时检查左右子树高度差是否</a:t>
+            </a:r>
+            <a:r>
+              <a:rPr lang="en-US" altLang="zh-CN" sz="1200" dirty="0"/>
+              <a:t>&gt;=2</a:t>
+            </a:r>
+            <a:r>
+              <a:rPr lang="zh-CN" altLang="en-US" sz="1200" dirty="0"/>
+              <a:t>，若成立</a:t>
+            </a:r>
+            <a:endParaRPr lang="en-GB" altLang="zh-CN" sz="1200" dirty="0"/>
+          </a:p>
+          <a:p>
+            <a:r>
+              <a:rPr lang="zh-CN" altLang="en-US" sz="1200" dirty="0"/>
+              <a:t>则需要添加一次节点就旋转一次。</a:t>
+            </a:r>
+            <a:endParaRPr lang="en-GB" altLang="zh-CN" sz="1200" dirty="0"/>
+          </a:p>
+          <a:p>
+            <a:endParaRPr lang="en-GB" altLang="zh-CN" sz="1200" dirty="0"/>
+          </a:p>
+          <a:p>
+            <a:r>
+              <a:rPr lang="zh-CN" altLang="en-US" sz="1200" dirty="0"/>
+              <a:t>右旋转思路同理</a:t>
+            </a:r>
+            <a:endParaRPr lang="en-GB" altLang="zh-CN" sz="1200" dirty="0"/>
+          </a:p>
+          <a:p>
+            <a:endParaRPr lang="en-GB" altLang="zh-CN" sz="1200" dirty="0"/>
+          </a:p>
+          <a:p>
+            <a:r>
+              <a:rPr lang="zh-CN" altLang="en-US" sz="1200" dirty="0"/>
+              <a:t>目前只考虑简单的情况，后续还有复杂的待进一步学习</a:t>
+            </a:r>
+            <a:r>
               <a:rPr lang="zh-CN" altLang="en-US" sz="1400" dirty="0"/>
-              <a:t>首先新建一个临时节点</a:t>
-            </a:r>
-            <a:r>
-              <a:rPr lang="en-GB" altLang="zh-CN" sz="1400" dirty="0" err="1"/>
-              <a:t>newNode</a:t>
-            </a:r>
-            <a:r>
-              <a:rPr lang="zh-CN" altLang="en-US" sz="1400" dirty="0"/>
-              <a:t>，存储根节点的值</a:t>
-            </a:r>
-            <a:endParaRPr lang="en-GB" altLang="zh-CN" sz="1400" dirty="0"/>
-          </a:p>
-          <a:p>
-            <a:r>
-              <a:rPr lang="en-GB" altLang="zh-CN" sz="1400" dirty="0"/>
-              <a:t>2,</a:t>
-            </a:r>
-            <a:r>
-              <a:rPr lang="zh-CN" altLang="en-US" sz="1400" dirty="0"/>
-              <a:t> 然后把这个节点指向原根节点的左节点，右边指向根节点</a:t>
-            </a:r>
-            <a:r>
-              <a:rPr lang="en-GB" altLang="zh-CN" sz="1400" dirty="0"/>
-              <a:t>2</a:t>
-            </a:r>
-            <a:r>
-              <a:rPr lang="zh-CN" altLang="en-US" sz="1400" dirty="0"/>
-              <a:t>的右节点</a:t>
-            </a:r>
-            <a:r>
-              <a:rPr lang="en-GB" altLang="zh-CN" sz="1400" dirty="0"/>
-              <a:t>(4)</a:t>
-            </a:r>
-            <a:r>
-              <a:rPr lang="zh-CN" altLang="en-US" sz="1400" dirty="0"/>
-              <a:t>的左节点</a:t>
-            </a:r>
-            <a:r>
-              <a:rPr lang="en-GB" altLang="zh-CN" sz="1400" dirty="0"/>
-              <a:t>(3)</a:t>
-            </a:r>
-          </a:p>
-          <a:p>
-            <a:r>
-              <a:rPr lang="en-GB" altLang="zh-CN" sz="1400" dirty="0"/>
-              <a:t>    </a:t>
-            </a:r>
-            <a:r>
-              <a:rPr lang="zh-CN" altLang="en-US" sz="1400" dirty="0"/>
-              <a:t>原因，因为左子树上的值都比父节点大，所以新节点右边指向</a:t>
-            </a:r>
-            <a:r>
-              <a:rPr lang="en-GB" altLang="zh-CN" sz="1400" dirty="0"/>
-              <a:t>3</a:t>
-            </a:r>
-          </a:p>
-          <a:p>
-            <a:r>
-              <a:rPr lang="en-GB" altLang="zh-CN" sz="1400" dirty="0"/>
-              <a:t>3,</a:t>
-            </a:r>
-            <a:r>
-              <a:rPr lang="zh-CN" altLang="en-US" sz="1400" dirty="0"/>
-              <a:t> 把</a:t>
-            </a:r>
-            <a:r>
-              <a:rPr lang="en-GB" altLang="zh-CN" sz="1400" dirty="0"/>
-              <a:t>(4)</a:t>
-            </a:r>
-            <a:r>
-              <a:rPr lang="zh-CN" altLang="en-US" sz="1400" dirty="0"/>
-              <a:t>变为根节点，</a:t>
-            </a:r>
-            <a:r>
-              <a:rPr lang="en-GB" altLang="zh-CN" sz="1400" dirty="0"/>
-              <a:t>(4)</a:t>
-            </a:r>
-            <a:r>
-              <a:rPr lang="zh-CN" altLang="en-US" sz="1400" dirty="0"/>
-              <a:t>的左边指向临时节点</a:t>
-            </a:r>
-            <a:endParaRPr lang="en-GB" altLang="zh-CN" sz="1400" dirty="0"/>
-          </a:p>
-          <a:p>
-            <a:r>
-              <a:rPr lang="zh-CN" altLang="en-US" sz="1400" dirty="0"/>
-              <a:t>以上步骤就完成了一次调整。因此需要在添加新节点时检查左右子树高度差是否</a:t>
-            </a:r>
-            <a:r>
-              <a:rPr lang="en-US" altLang="zh-CN" sz="1400" dirty="0"/>
-              <a:t>&gt;=2</a:t>
-            </a:r>
-            <a:r>
-              <a:rPr lang="zh-CN" altLang="en-US" sz="1400" dirty="0"/>
-              <a:t>，若成立</a:t>
-            </a:r>
-            <a:endParaRPr lang="en-GB" altLang="zh-CN" sz="1400" dirty="0"/>
-          </a:p>
-          <a:p>
-            <a:r>
-              <a:rPr lang="zh-CN" altLang="en-US" sz="1400" dirty="0"/>
-              <a:t>则需要添加一次节点就旋转一次。</a:t>
-            </a:r>
-            <a:endParaRPr lang="en-GB" altLang="zh-CN" sz="1400" dirty="0"/>
-          </a:p>
-          <a:p>
-            <a:r>
-              <a:rPr lang="zh-CN" altLang="en-US" sz="1400" dirty="0"/>
-              <a:t>目前只考虑简单的情况，后续还有复杂的待进一步学习。</a:t>
+              <a:t>。</a:t>
             </a:r>
             <a:r>
               <a:rPr lang="en-US" altLang="zh-CN" sz="1400" dirty="0"/>

--- a/9_BinaryTree/8_AVL/AVL树旋转思路分析.pptx
+++ b/9_BinaryTree/8_AVL/AVL树旋转思路分析.pptx
@@ -261,7 +261,7 @@
           <a:p>
             <a:fld id="{271A724E-1DD8-4A67-BB12-444B089A282C}" type="datetimeFigureOut">
               <a:rPr lang="en-GB" smtClean="0"/>
-              <a:t>10/01/2024</a:t>
+              <a:t>16/01/2024</a:t>
             </a:fld>
             <a:endParaRPr lang="en-GB"/>
           </a:p>
@@ -461,7 +461,7 @@
           <a:p>
             <a:fld id="{271A724E-1DD8-4A67-BB12-444B089A282C}" type="datetimeFigureOut">
               <a:rPr lang="en-GB" smtClean="0"/>
-              <a:t>10/01/2024</a:t>
+              <a:t>16/01/2024</a:t>
             </a:fld>
             <a:endParaRPr lang="en-GB"/>
           </a:p>
@@ -671,7 +671,7 @@
           <a:p>
             <a:fld id="{271A724E-1DD8-4A67-BB12-444B089A282C}" type="datetimeFigureOut">
               <a:rPr lang="en-GB" smtClean="0"/>
-              <a:t>10/01/2024</a:t>
+              <a:t>16/01/2024</a:t>
             </a:fld>
             <a:endParaRPr lang="en-GB"/>
           </a:p>
@@ -871,7 +871,7 @@
           <a:p>
             <a:fld id="{271A724E-1DD8-4A67-BB12-444B089A282C}" type="datetimeFigureOut">
               <a:rPr lang="en-GB" smtClean="0"/>
-              <a:t>10/01/2024</a:t>
+              <a:t>16/01/2024</a:t>
             </a:fld>
             <a:endParaRPr lang="en-GB"/>
           </a:p>
@@ -1147,7 +1147,7 @@
           <a:p>
             <a:fld id="{271A724E-1DD8-4A67-BB12-444B089A282C}" type="datetimeFigureOut">
               <a:rPr lang="en-GB" smtClean="0"/>
-              <a:t>10/01/2024</a:t>
+              <a:t>16/01/2024</a:t>
             </a:fld>
             <a:endParaRPr lang="en-GB"/>
           </a:p>
@@ -1415,7 +1415,7 @@
           <a:p>
             <a:fld id="{271A724E-1DD8-4A67-BB12-444B089A282C}" type="datetimeFigureOut">
               <a:rPr lang="en-GB" smtClean="0"/>
-              <a:t>10/01/2024</a:t>
+              <a:t>16/01/2024</a:t>
             </a:fld>
             <a:endParaRPr lang="en-GB"/>
           </a:p>
@@ -1830,7 +1830,7 @@
           <a:p>
             <a:fld id="{271A724E-1DD8-4A67-BB12-444B089A282C}" type="datetimeFigureOut">
               <a:rPr lang="en-GB" smtClean="0"/>
-              <a:t>10/01/2024</a:t>
+              <a:t>16/01/2024</a:t>
             </a:fld>
             <a:endParaRPr lang="en-GB"/>
           </a:p>
@@ -1972,7 +1972,7 @@
           <a:p>
             <a:fld id="{271A724E-1DD8-4A67-BB12-444B089A282C}" type="datetimeFigureOut">
               <a:rPr lang="en-GB" smtClean="0"/>
-              <a:t>10/01/2024</a:t>
+              <a:t>16/01/2024</a:t>
             </a:fld>
             <a:endParaRPr lang="en-GB"/>
           </a:p>
@@ -2085,7 +2085,7 @@
           <a:p>
             <a:fld id="{271A724E-1DD8-4A67-BB12-444B089A282C}" type="datetimeFigureOut">
               <a:rPr lang="en-GB" smtClean="0"/>
-              <a:t>10/01/2024</a:t>
+              <a:t>16/01/2024</a:t>
             </a:fld>
             <a:endParaRPr lang="en-GB"/>
           </a:p>
@@ -2398,7 +2398,7 @@
           <a:p>
             <a:fld id="{271A724E-1DD8-4A67-BB12-444B089A282C}" type="datetimeFigureOut">
               <a:rPr lang="en-GB" smtClean="0"/>
-              <a:t>10/01/2024</a:t>
+              <a:t>16/01/2024</a:t>
             </a:fld>
             <a:endParaRPr lang="en-GB"/>
           </a:p>
@@ -2687,7 +2687,7 @@
           <a:p>
             <a:fld id="{271A724E-1DD8-4A67-BB12-444B089A282C}" type="datetimeFigureOut">
               <a:rPr lang="en-GB" smtClean="0"/>
-              <a:t>10/01/2024</a:t>
+              <a:t>16/01/2024</a:t>
             </a:fld>
             <a:endParaRPr lang="en-GB"/>
           </a:p>
@@ -2930,7 +2930,7 @@
           <a:p>
             <a:fld id="{271A724E-1DD8-4A67-BB12-444B089A282C}" type="datetimeFigureOut">
               <a:rPr lang="en-GB" smtClean="0"/>
-              <a:t>10/01/2024</a:t>
+              <a:t>16/01/2024</a:t>
             </a:fld>
             <a:endParaRPr lang="en-GB"/>
           </a:p>
@@ -3791,7 +3791,7 @@
         <p:spPr>
           <a:xfrm>
             <a:off x="2387799" y="3278362"/>
-            <a:ext cx="612011" cy="410547"/>
+            <a:ext cx="612011" cy="475990"/>
           </a:xfrm>
           <a:prstGeom prst="ellipse">
             <a:avLst/>
@@ -4190,7 +4190,7 @@
         <p:spPr>
           <a:xfrm>
             <a:off x="3296707" y="775201"/>
-            <a:ext cx="6452407" cy="2708434"/>
+            <a:ext cx="6647974" cy="2923877"/>
           </a:xfrm>
           <a:prstGeom prst="rect">
             <a:avLst/>
@@ -4276,7 +4276,7 @@
             </a:r>
             <a:r>
               <a:rPr lang="zh-CN" altLang="en-US" sz="1200" dirty="0"/>
-              <a:t>原因，因为左子树上的值都比父节点大，所以新节点右边指向</a:t>
+              <a:t>原因，因为右子树上的值都比父节点大，所以新节点右边指向</a:t>
             </a:r>
             <a:r>
               <a:rPr lang="en-GB" altLang="zh-CN" sz="1200" dirty="0"/>
@@ -4314,7 +4314,15 @@
             </a:r>
             <a:r>
               <a:rPr lang="zh-CN" altLang="en-US" sz="1200" dirty="0"/>
-              <a:t>的左边指向临时节点；</a:t>
+              <a:t>的左边指向临时节点，（老的根节点“</a:t>
+            </a:r>
+            <a:r>
+              <a:rPr lang="en-GB" altLang="zh-CN" sz="1200" dirty="0"/>
+              <a:t>2</a:t>
+            </a:r>
+            <a:r>
+              <a:rPr lang="zh-CN" altLang="en-US" sz="1200" dirty="0"/>
+              <a:t>”就没有引用指向，会被回收）；</a:t>
             </a:r>
             <a:endParaRPr lang="en-GB" altLang="zh-CN" sz="1200" dirty="0"/>
           </a:p>
@@ -4362,6 +4370,29 @@
               <a:rPr lang="zh-CN" altLang="en-US" sz="1400" dirty="0"/>
               <a:t>。</a:t>
             </a:r>
+            <a:endParaRPr lang="en-GB" altLang="zh-CN" sz="1400" dirty="0"/>
+          </a:p>
+          <a:p>
+            <a:r>
+              <a:rPr lang="zh-CN" altLang="en-US" sz="1200" dirty="0"/>
+              <a:t>如果在本例中</a:t>
+            </a:r>
+            <a:r>
+              <a:rPr lang="en-GB" altLang="zh-CN" sz="1200" dirty="0"/>
+              <a:t>3</a:t>
+            </a:r>
+            <a:r>
+              <a:rPr lang="zh-CN" altLang="en-US" sz="1200" dirty="0"/>
+              <a:t>下面的树比</a:t>
+            </a:r>
+            <a:r>
+              <a:rPr lang="en-GB" altLang="zh-CN" sz="1200" dirty="0"/>
+              <a:t>7</a:t>
+            </a:r>
+            <a:r>
+              <a:rPr lang="zh-CN" altLang="en-US" sz="1200" dirty="0"/>
+              <a:t>下面的子树高，那么旋转之后左边就高了，没有效果</a:t>
+            </a:r>
             <a:r>
               <a:rPr lang="en-US" altLang="zh-CN" sz="1400" dirty="0"/>
               <a:t>	</a:t>
@@ -4369,6 +4400,800 @@
           </a:p>
         </p:txBody>
       </p:sp>
+      <p:sp>
+        <p:nvSpPr>
+          <p:cNvPr id="2" name="椭圆 3">
+            <a:extLst>
+              <a:ext uri="{FF2B5EF4-FFF2-40B4-BE49-F238E27FC236}">
+                <a16:creationId xmlns:a16="http://schemas.microsoft.com/office/drawing/2014/main" id="{8D01A321-31DC-AAA6-B32B-6C93BFED0C3F}"/>
+              </a:ext>
+            </a:extLst>
+          </p:cNvPr>
+          <p:cNvSpPr/>
+          <p:nvPr/>
+        </p:nvSpPr>
+        <p:spPr>
+          <a:xfrm>
+            <a:off x="2223163" y="4672192"/>
+            <a:ext cx="419877" cy="410547"/>
+          </a:xfrm>
+          <a:prstGeom prst="ellipse">
+            <a:avLst/>
+          </a:prstGeom>
+          <a:solidFill>
+            <a:srgbClr val="92D050"/>
+          </a:solidFill>
+        </p:spPr>
+        <p:style>
+          <a:lnRef idx="2">
+            <a:schemeClr val="accent1">
+              <a:shade val="15000"/>
+            </a:schemeClr>
+          </a:lnRef>
+          <a:fillRef idx="1">
+            <a:schemeClr val="accent1"/>
+          </a:fillRef>
+          <a:effectRef idx="0">
+            <a:schemeClr val="accent1"/>
+          </a:effectRef>
+          <a:fontRef idx="minor">
+            <a:schemeClr val="lt1"/>
+          </a:fontRef>
+        </p:style>
+        <p:txBody>
+          <a:bodyPr rtlCol="0" anchor="ctr"/>
+          <a:lstStyle/>
+          <a:p>
+            <a:pPr algn="ctr"/>
+            <a:r>
+              <a:rPr lang="en-GB" dirty="0"/>
+              <a:t>2</a:t>
+            </a:r>
+          </a:p>
+        </p:txBody>
+      </p:sp>
+      <p:sp>
+        <p:nvSpPr>
+          <p:cNvPr id="3" name="椭圆 4">
+            <a:extLst>
+              <a:ext uri="{FF2B5EF4-FFF2-40B4-BE49-F238E27FC236}">
+                <a16:creationId xmlns:a16="http://schemas.microsoft.com/office/drawing/2014/main" id="{AF822605-279C-5566-83AA-B3DFA84BB260}"/>
+              </a:ext>
+            </a:extLst>
+          </p:cNvPr>
+          <p:cNvSpPr/>
+          <p:nvPr/>
+        </p:nvSpPr>
+        <p:spPr>
+          <a:xfrm>
+            <a:off x="1739894" y="5202919"/>
+            <a:ext cx="419877" cy="410547"/>
+          </a:xfrm>
+          <a:prstGeom prst="ellipse">
+            <a:avLst/>
+          </a:prstGeom>
+        </p:spPr>
+        <p:style>
+          <a:lnRef idx="2">
+            <a:schemeClr val="accent1">
+              <a:shade val="15000"/>
+            </a:schemeClr>
+          </a:lnRef>
+          <a:fillRef idx="1">
+            <a:schemeClr val="accent1"/>
+          </a:fillRef>
+          <a:effectRef idx="0">
+            <a:schemeClr val="accent1"/>
+          </a:effectRef>
+          <a:fontRef idx="minor">
+            <a:schemeClr val="lt1"/>
+          </a:fontRef>
+        </p:style>
+        <p:txBody>
+          <a:bodyPr rtlCol="0" anchor="ctr"/>
+          <a:lstStyle/>
+          <a:p>
+            <a:pPr algn="ctr"/>
+            <a:r>
+              <a:rPr lang="en-GB" dirty="0"/>
+              <a:t>1</a:t>
+            </a:r>
+          </a:p>
+        </p:txBody>
+      </p:sp>
+      <p:sp>
+        <p:nvSpPr>
+          <p:cNvPr id="11" name="椭圆 5">
+            <a:extLst>
+              <a:ext uri="{FF2B5EF4-FFF2-40B4-BE49-F238E27FC236}">
+                <a16:creationId xmlns:a16="http://schemas.microsoft.com/office/drawing/2014/main" id="{FD0FE241-D5B1-21FB-F62F-5EF1861A9326}"/>
+              </a:ext>
+            </a:extLst>
+          </p:cNvPr>
+          <p:cNvSpPr/>
+          <p:nvPr/>
+        </p:nvSpPr>
+        <p:spPr>
+          <a:xfrm>
+            <a:off x="3052192" y="4133000"/>
+            <a:ext cx="419877" cy="410547"/>
+          </a:xfrm>
+          <a:prstGeom prst="ellipse">
+            <a:avLst/>
+          </a:prstGeom>
+          <a:solidFill>
+            <a:schemeClr val="accent2"/>
+          </a:solidFill>
+        </p:spPr>
+        <p:style>
+          <a:lnRef idx="2">
+            <a:schemeClr val="accent1">
+              <a:shade val="15000"/>
+            </a:schemeClr>
+          </a:lnRef>
+          <a:fillRef idx="1">
+            <a:schemeClr val="accent1"/>
+          </a:fillRef>
+          <a:effectRef idx="0">
+            <a:schemeClr val="accent1"/>
+          </a:effectRef>
+          <a:fontRef idx="minor">
+            <a:schemeClr val="lt1"/>
+          </a:fontRef>
+        </p:style>
+        <p:txBody>
+          <a:bodyPr rtlCol="0" anchor="ctr"/>
+          <a:lstStyle/>
+          <a:p>
+            <a:pPr algn="ctr"/>
+            <a:r>
+              <a:rPr lang="en-GB" dirty="0"/>
+              <a:t>4</a:t>
+            </a:r>
+          </a:p>
+        </p:txBody>
+      </p:sp>
+      <p:sp>
+        <p:nvSpPr>
+          <p:cNvPr id="13" name="椭圆 6">
+            <a:extLst>
+              <a:ext uri="{FF2B5EF4-FFF2-40B4-BE49-F238E27FC236}">
+                <a16:creationId xmlns:a16="http://schemas.microsoft.com/office/drawing/2014/main" id="{5D9CFBF3-9B9B-B850-4DF0-9C7D11E36ECD}"/>
+              </a:ext>
+            </a:extLst>
+          </p:cNvPr>
+          <p:cNvSpPr/>
+          <p:nvPr/>
+        </p:nvSpPr>
+        <p:spPr>
+          <a:xfrm>
+            <a:off x="2567308" y="5214482"/>
+            <a:ext cx="419877" cy="410547"/>
+          </a:xfrm>
+          <a:prstGeom prst="ellipse">
+            <a:avLst/>
+          </a:prstGeom>
+          <a:solidFill>
+            <a:schemeClr val="accent2"/>
+          </a:solidFill>
+        </p:spPr>
+        <p:style>
+          <a:lnRef idx="2">
+            <a:schemeClr val="accent1">
+              <a:shade val="15000"/>
+            </a:schemeClr>
+          </a:lnRef>
+          <a:fillRef idx="1">
+            <a:schemeClr val="accent1"/>
+          </a:fillRef>
+          <a:effectRef idx="0">
+            <a:schemeClr val="accent1"/>
+          </a:effectRef>
+          <a:fontRef idx="minor">
+            <a:schemeClr val="lt1"/>
+          </a:fontRef>
+        </p:style>
+        <p:txBody>
+          <a:bodyPr rtlCol="0" anchor="ctr"/>
+          <a:lstStyle/>
+          <a:p>
+            <a:pPr algn="ctr"/>
+            <a:r>
+              <a:rPr lang="en-GB" dirty="0"/>
+              <a:t>3</a:t>
+            </a:r>
+          </a:p>
+        </p:txBody>
+      </p:sp>
+      <p:sp>
+        <p:nvSpPr>
+          <p:cNvPr id="18" name="椭圆 7">
+            <a:extLst>
+              <a:ext uri="{FF2B5EF4-FFF2-40B4-BE49-F238E27FC236}">
+                <a16:creationId xmlns:a16="http://schemas.microsoft.com/office/drawing/2014/main" id="{4167ECE8-5840-F457-861E-7A151CFEE7B7}"/>
+              </a:ext>
+            </a:extLst>
+          </p:cNvPr>
+          <p:cNvSpPr/>
+          <p:nvPr/>
+        </p:nvSpPr>
+        <p:spPr>
+          <a:xfrm>
+            <a:off x="3113682" y="5353617"/>
+            <a:ext cx="419877" cy="410547"/>
+          </a:xfrm>
+          <a:prstGeom prst="ellipse">
+            <a:avLst/>
+          </a:prstGeom>
+        </p:spPr>
+        <p:style>
+          <a:lnRef idx="2">
+            <a:schemeClr val="accent1">
+              <a:shade val="15000"/>
+            </a:schemeClr>
+          </a:lnRef>
+          <a:fillRef idx="1">
+            <a:schemeClr val="accent1"/>
+          </a:fillRef>
+          <a:effectRef idx="0">
+            <a:schemeClr val="accent1"/>
+          </a:effectRef>
+          <a:fontRef idx="minor">
+            <a:schemeClr val="lt1"/>
+          </a:fontRef>
+        </p:style>
+        <p:txBody>
+          <a:bodyPr rtlCol="0" anchor="ctr"/>
+          <a:lstStyle/>
+          <a:p>
+            <a:pPr algn="ctr"/>
+            <a:r>
+              <a:rPr lang="en-GB" dirty="0"/>
+              <a:t>6</a:t>
+            </a:r>
+          </a:p>
+        </p:txBody>
+      </p:sp>
+      <p:sp>
+        <p:nvSpPr>
+          <p:cNvPr id="19" name="椭圆 8">
+            <a:extLst>
+              <a:ext uri="{FF2B5EF4-FFF2-40B4-BE49-F238E27FC236}">
+                <a16:creationId xmlns:a16="http://schemas.microsoft.com/office/drawing/2014/main" id="{8A2497C2-C313-F234-75C1-9F6B2300E974}"/>
+              </a:ext>
+            </a:extLst>
+          </p:cNvPr>
+          <p:cNvSpPr/>
+          <p:nvPr/>
+        </p:nvSpPr>
+        <p:spPr>
+          <a:xfrm>
+            <a:off x="3530307" y="4745319"/>
+            <a:ext cx="419877" cy="410547"/>
+          </a:xfrm>
+          <a:prstGeom prst="ellipse">
+            <a:avLst/>
+          </a:prstGeom>
+        </p:spPr>
+        <p:style>
+          <a:lnRef idx="2">
+            <a:schemeClr val="accent1">
+              <a:shade val="15000"/>
+            </a:schemeClr>
+          </a:lnRef>
+          <a:fillRef idx="1">
+            <a:schemeClr val="accent1"/>
+          </a:fillRef>
+          <a:effectRef idx="0">
+            <a:schemeClr val="accent1"/>
+          </a:effectRef>
+          <a:fontRef idx="minor">
+            <a:schemeClr val="lt1"/>
+          </a:fontRef>
+        </p:style>
+        <p:txBody>
+          <a:bodyPr rtlCol="0" anchor="ctr"/>
+          <a:lstStyle/>
+          <a:p>
+            <a:pPr algn="ctr"/>
+            <a:r>
+              <a:rPr lang="en-GB" dirty="0"/>
+              <a:t>7</a:t>
+            </a:r>
+          </a:p>
+        </p:txBody>
+      </p:sp>
+      <p:cxnSp>
+        <p:nvCxnSpPr>
+          <p:cNvPr id="24" name="直接箭头连接符 11">
+            <a:extLst>
+              <a:ext uri="{FF2B5EF4-FFF2-40B4-BE49-F238E27FC236}">
+                <a16:creationId xmlns:a16="http://schemas.microsoft.com/office/drawing/2014/main" id="{B2B0C837-916D-43DE-70F4-4044F52F0447}"/>
+              </a:ext>
+            </a:extLst>
+          </p:cNvPr>
+          <p:cNvCxnSpPr>
+            <a:cxnSpLocks/>
+            <a:stCxn id="2" idx="3"/>
+            <a:endCxn id="3" idx="7"/>
+          </p:cNvCxnSpPr>
+          <p:nvPr/>
+        </p:nvCxnSpPr>
+        <p:spPr>
+          <a:xfrm flipH="1">
+            <a:off x="2098281" y="5022616"/>
+            <a:ext cx="186372" cy="240426"/>
+          </a:xfrm>
+          <a:prstGeom prst="straightConnector1">
+            <a:avLst/>
+          </a:prstGeom>
+          <a:ln>
+            <a:tailEnd type="triangle"/>
+          </a:ln>
+        </p:spPr>
+        <p:style>
+          <a:lnRef idx="1">
+            <a:schemeClr val="accent1"/>
+          </a:lnRef>
+          <a:fillRef idx="0">
+            <a:schemeClr val="accent1"/>
+          </a:fillRef>
+          <a:effectRef idx="0">
+            <a:schemeClr val="accent1"/>
+          </a:effectRef>
+          <a:fontRef idx="minor">
+            <a:schemeClr val="tx1"/>
+          </a:fontRef>
+        </p:style>
+      </p:cxnSp>
+      <p:sp>
+        <p:nvSpPr>
+          <p:cNvPr id="25" name="椭圆 13">
+            <a:extLst>
+              <a:ext uri="{FF2B5EF4-FFF2-40B4-BE49-F238E27FC236}">
+                <a16:creationId xmlns:a16="http://schemas.microsoft.com/office/drawing/2014/main" id="{44D1C962-0B5D-F5E4-CAA1-5FF974AB53B0}"/>
+              </a:ext>
+            </a:extLst>
+          </p:cNvPr>
+          <p:cNvSpPr/>
+          <p:nvPr/>
+        </p:nvSpPr>
+        <p:spPr>
+          <a:xfrm>
+            <a:off x="3530307" y="5915839"/>
+            <a:ext cx="419877" cy="410547"/>
+          </a:xfrm>
+          <a:prstGeom prst="ellipse">
+            <a:avLst/>
+          </a:prstGeom>
+        </p:spPr>
+        <p:style>
+          <a:lnRef idx="2">
+            <a:schemeClr val="accent1">
+              <a:shade val="15000"/>
+            </a:schemeClr>
+          </a:lnRef>
+          <a:fillRef idx="1">
+            <a:schemeClr val="accent1"/>
+          </a:fillRef>
+          <a:effectRef idx="0">
+            <a:schemeClr val="accent1"/>
+          </a:effectRef>
+          <a:fontRef idx="minor">
+            <a:schemeClr val="lt1"/>
+          </a:fontRef>
+        </p:style>
+        <p:txBody>
+          <a:bodyPr rtlCol="0" anchor="ctr"/>
+          <a:lstStyle/>
+          <a:p>
+            <a:pPr algn="ctr"/>
+            <a:r>
+              <a:rPr lang="en-GB" dirty="0"/>
+              <a:t>8</a:t>
+            </a:r>
+          </a:p>
+        </p:txBody>
+      </p:sp>
+      <p:sp>
+        <p:nvSpPr>
+          <p:cNvPr id="26" name="椭圆 14">
+            <a:extLst>
+              <a:ext uri="{FF2B5EF4-FFF2-40B4-BE49-F238E27FC236}">
+                <a16:creationId xmlns:a16="http://schemas.microsoft.com/office/drawing/2014/main" id="{35B6A43E-B301-A747-5B9A-5564C04321CD}"/>
+              </a:ext>
+            </a:extLst>
+          </p:cNvPr>
+          <p:cNvSpPr/>
+          <p:nvPr/>
+        </p:nvSpPr>
+        <p:spPr>
+          <a:xfrm>
+            <a:off x="4223514" y="5915839"/>
+            <a:ext cx="612011" cy="410547"/>
+          </a:xfrm>
+          <a:prstGeom prst="ellipse">
+            <a:avLst/>
+          </a:prstGeom>
+        </p:spPr>
+        <p:style>
+          <a:lnRef idx="2">
+            <a:schemeClr val="accent1">
+              <a:shade val="15000"/>
+            </a:schemeClr>
+          </a:lnRef>
+          <a:fillRef idx="1">
+            <a:schemeClr val="accent1"/>
+          </a:fillRef>
+          <a:effectRef idx="0">
+            <a:schemeClr val="accent1"/>
+          </a:effectRef>
+          <a:fontRef idx="minor">
+            <a:schemeClr val="lt1"/>
+          </a:fontRef>
+        </p:style>
+        <p:txBody>
+          <a:bodyPr rtlCol="0" anchor="ctr"/>
+          <a:lstStyle/>
+          <a:p>
+            <a:pPr algn="ctr"/>
+            <a:r>
+              <a:rPr lang="en-GB" dirty="0"/>
+              <a:t>10</a:t>
+            </a:r>
+          </a:p>
+        </p:txBody>
+      </p:sp>
+      <p:sp>
+        <p:nvSpPr>
+          <p:cNvPr id="27" name="椭圆 15">
+            <a:extLst>
+              <a:ext uri="{FF2B5EF4-FFF2-40B4-BE49-F238E27FC236}">
+                <a16:creationId xmlns:a16="http://schemas.microsoft.com/office/drawing/2014/main" id="{B7065BE0-11E8-8FA6-4C38-AB0EE16280A4}"/>
+              </a:ext>
+            </a:extLst>
+          </p:cNvPr>
+          <p:cNvSpPr/>
+          <p:nvPr/>
+        </p:nvSpPr>
+        <p:spPr>
+          <a:xfrm>
+            <a:off x="3950184" y="5330579"/>
+            <a:ext cx="419877" cy="410547"/>
+          </a:xfrm>
+          <a:prstGeom prst="ellipse">
+            <a:avLst/>
+          </a:prstGeom>
+        </p:spPr>
+        <p:style>
+          <a:lnRef idx="2">
+            <a:schemeClr val="accent1">
+              <a:shade val="15000"/>
+            </a:schemeClr>
+          </a:lnRef>
+          <a:fillRef idx="1">
+            <a:schemeClr val="accent1"/>
+          </a:fillRef>
+          <a:effectRef idx="0">
+            <a:schemeClr val="accent1"/>
+          </a:effectRef>
+          <a:fontRef idx="minor">
+            <a:schemeClr val="lt1"/>
+          </a:fontRef>
+        </p:style>
+        <p:txBody>
+          <a:bodyPr rtlCol="0" anchor="ctr"/>
+          <a:lstStyle/>
+          <a:p>
+            <a:pPr algn="ctr"/>
+            <a:r>
+              <a:rPr lang="en-GB" dirty="0"/>
+              <a:t>9</a:t>
+            </a:r>
+          </a:p>
+        </p:txBody>
+      </p:sp>
+      <p:cxnSp>
+        <p:nvCxnSpPr>
+          <p:cNvPr id="29" name="直接箭头连接符 19">
+            <a:extLst>
+              <a:ext uri="{FF2B5EF4-FFF2-40B4-BE49-F238E27FC236}">
+                <a16:creationId xmlns:a16="http://schemas.microsoft.com/office/drawing/2014/main" id="{48C8F6FE-F5B5-D5C8-8A2D-B30C40F858A2}"/>
+              </a:ext>
+            </a:extLst>
+          </p:cNvPr>
+          <p:cNvCxnSpPr>
+            <a:cxnSpLocks/>
+            <a:stCxn id="11" idx="3"/>
+            <a:endCxn id="2" idx="7"/>
+          </p:cNvCxnSpPr>
+          <p:nvPr/>
+        </p:nvCxnSpPr>
+        <p:spPr>
+          <a:xfrm flipH="1">
+            <a:off x="2581550" y="4483424"/>
+            <a:ext cx="532132" cy="248891"/>
+          </a:xfrm>
+          <a:prstGeom prst="straightConnector1">
+            <a:avLst/>
+          </a:prstGeom>
+          <a:ln>
+            <a:tailEnd type="triangle"/>
+          </a:ln>
+        </p:spPr>
+        <p:style>
+          <a:lnRef idx="1">
+            <a:schemeClr val="accent1"/>
+          </a:lnRef>
+          <a:fillRef idx="0">
+            <a:schemeClr val="accent1"/>
+          </a:fillRef>
+          <a:effectRef idx="0">
+            <a:schemeClr val="accent1"/>
+          </a:effectRef>
+          <a:fontRef idx="minor">
+            <a:schemeClr val="tx1"/>
+          </a:fontRef>
+        </p:style>
+      </p:cxnSp>
+      <p:cxnSp>
+        <p:nvCxnSpPr>
+          <p:cNvPr id="30" name="直接箭头连接符 20">
+            <a:extLst>
+              <a:ext uri="{FF2B5EF4-FFF2-40B4-BE49-F238E27FC236}">
+                <a16:creationId xmlns:a16="http://schemas.microsoft.com/office/drawing/2014/main" id="{C66C58B1-06D2-8800-1735-78353EE88134}"/>
+              </a:ext>
+            </a:extLst>
+          </p:cNvPr>
+          <p:cNvCxnSpPr>
+            <a:cxnSpLocks/>
+            <a:stCxn id="11" idx="5"/>
+            <a:endCxn id="19" idx="1"/>
+          </p:cNvCxnSpPr>
+          <p:nvPr/>
+        </p:nvCxnSpPr>
+        <p:spPr>
+          <a:xfrm>
+            <a:off x="3410579" y="4483424"/>
+            <a:ext cx="181218" cy="322018"/>
+          </a:xfrm>
+          <a:prstGeom prst="straightConnector1">
+            <a:avLst/>
+          </a:prstGeom>
+          <a:ln>
+            <a:tailEnd type="triangle"/>
+          </a:ln>
+        </p:spPr>
+        <p:style>
+          <a:lnRef idx="1">
+            <a:schemeClr val="accent1"/>
+          </a:lnRef>
+          <a:fillRef idx="0">
+            <a:schemeClr val="accent1"/>
+          </a:fillRef>
+          <a:effectRef idx="0">
+            <a:schemeClr val="accent1"/>
+          </a:effectRef>
+          <a:fontRef idx="minor">
+            <a:schemeClr val="tx1"/>
+          </a:fontRef>
+        </p:style>
+      </p:cxnSp>
+      <p:cxnSp>
+        <p:nvCxnSpPr>
+          <p:cNvPr id="31" name="直接箭头连接符 21">
+            <a:extLst>
+              <a:ext uri="{FF2B5EF4-FFF2-40B4-BE49-F238E27FC236}">
+                <a16:creationId xmlns:a16="http://schemas.microsoft.com/office/drawing/2014/main" id="{3C856FD2-2664-E14F-446E-787F43502915}"/>
+              </a:ext>
+            </a:extLst>
+          </p:cNvPr>
+          <p:cNvCxnSpPr>
+            <a:cxnSpLocks/>
+            <a:stCxn id="19" idx="3"/>
+            <a:endCxn id="18" idx="0"/>
+          </p:cNvCxnSpPr>
+          <p:nvPr/>
+        </p:nvCxnSpPr>
+        <p:spPr>
+          <a:xfrm flipH="1">
+            <a:off x="3323621" y="5095743"/>
+            <a:ext cx="268176" cy="257874"/>
+          </a:xfrm>
+          <a:prstGeom prst="straightConnector1">
+            <a:avLst/>
+          </a:prstGeom>
+          <a:ln>
+            <a:tailEnd type="triangle"/>
+          </a:ln>
+        </p:spPr>
+        <p:style>
+          <a:lnRef idx="1">
+            <a:schemeClr val="accent1"/>
+          </a:lnRef>
+          <a:fillRef idx="0">
+            <a:schemeClr val="accent1"/>
+          </a:fillRef>
+          <a:effectRef idx="0">
+            <a:schemeClr val="accent1"/>
+          </a:effectRef>
+          <a:fontRef idx="minor">
+            <a:schemeClr val="tx1"/>
+          </a:fontRef>
+        </p:style>
+      </p:cxnSp>
+      <p:cxnSp>
+        <p:nvCxnSpPr>
+          <p:cNvPr id="32" name="直接箭头连接符 22">
+            <a:extLst>
+              <a:ext uri="{FF2B5EF4-FFF2-40B4-BE49-F238E27FC236}">
+                <a16:creationId xmlns:a16="http://schemas.microsoft.com/office/drawing/2014/main" id="{D2B4223F-818B-C056-7ED1-5DD1BD19CD2E}"/>
+              </a:ext>
+            </a:extLst>
+          </p:cNvPr>
+          <p:cNvCxnSpPr>
+            <a:cxnSpLocks/>
+            <a:stCxn id="19" idx="5"/>
+            <a:endCxn id="27" idx="1"/>
+          </p:cNvCxnSpPr>
+          <p:nvPr/>
+        </p:nvCxnSpPr>
+        <p:spPr>
+          <a:xfrm>
+            <a:off x="3888694" y="5095743"/>
+            <a:ext cx="122980" cy="294959"/>
+          </a:xfrm>
+          <a:prstGeom prst="straightConnector1">
+            <a:avLst/>
+          </a:prstGeom>
+          <a:ln>
+            <a:tailEnd type="triangle"/>
+          </a:ln>
+        </p:spPr>
+        <p:style>
+          <a:lnRef idx="1">
+            <a:schemeClr val="accent1"/>
+          </a:lnRef>
+          <a:fillRef idx="0">
+            <a:schemeClr val="accent1"/>
+          </a:fillRef>
+          <a:effectRef idx="0">
+            <a:schemeClr val="accent1"/>
+          </a:effectRef>
+          <a:fontRef idx="minor">
+            <a:schemeClr val="tx1"/>
+          </a:fontRef>
+        </p:style>
+      </p:cxnSp>
+      <p:cxnSp>
+        <p:nvCxnSpPr>
+          <p:cNvPr id="34" name="直接箭头连接符 32">
+            <a:extLst>
+              <a:ext uri="{FF2B5EF4-FFF2-40B4-BE49-F238E27FC236}">
+                <a16:creationId xmlns:a16="http://schemas.microsoft.com/office/drawing/2014/main" id="{86DEC7D1-0AEC-0204-D211-5856A4283A97}"/>
+              </a:ext>
+            </a:extLst>
+          </p:cNvPr>
+          <p:cNvCxnSpPr>
+            <a:cxnSpLocks/>
+            <a:stCxn id="27" idx="3"/>
+            <a:endCxn id="25" idx="0"/>
+          </p:cNvCxnSpPr>
+          <p:nvPr/>
+        </p:nvCxnSpPr>
+        <p:spPr>
+          <a:xfrm flipH="1">
+            <a:off x="3740246" y="5681003"/>
+            <a:ext cx="271428" cy="234836"/>
+          </a:xfrm>
+          <a:prstGeom prst="straightConnector1">
+            <a:avLst/>
+          </a:prstGeom>
+          <a:ln>
+            <a:tailEnd type="triangle"/>
+          </a:ln>
+        </p:spPr>
+        <p:style>
+          <a:lnRef idx="1">
+            <a:schemeClr val="accent1"/>
+          </a:lnRef>
+          <a:fillRef idx="0">
+            <a:schemeClr val="accent1"/>
+          </a:fillRef>
+          <a:effectRef idx="0">
+            <a:schemeClr val="accent1"/>
+          </a:effectRef>
+          <a:fontRef idx="minor">
+            <a:schemeClr val="tx1"/>
+          </a:fontRef>
+        </p:style>
+      </p:cxnSp>
+      <p:cxnSp>
+        <p:nvCxnSpPr>
+          <p:cNvPr id="35" name="直接箭头连接符 36">
+            <a:extLst>
+              <a:ext uri="{FF2B5EF4-FFF2-40B4-BE49-F238E27FC236}">
+                <a16:creationId xmlns:a16="http://schemas.microsoft.com/office/drawing/2014/main" id="{98446DA9-C388-8059-4080-4EF340DDEF62}"/>
+              </a:ext>
+            </a:extLst>
+          </p:cNvPr>
+          <p:cNvCxnSpPr>
+            <a:cxnSpLocks/>
+            <a:stCxn id="27" idx="5"/>
+            <a:endCxn id="26" idx="0"/>
+          </p:cNvCxnSpPr>
+          <p:nvPr/>
+        </p:nvCxnSpPr>
+        <p:spPr>
+          <a:xfrm>
+            <a:off x="4308571" y="5681003"/>
+            <a:ext cx="220949" cy="234836"/>
+          </a:xfrm>
+          <a:prstGeom prst="straightConnector1">
+            <a:avLst/>
+          </a:prstGeom>
+          <a:ln>
+            <a:tailEnd type="triangle"/>
+          </a:ln>
+        </p:spPr>
+        <p:style>
+          <a:lnRef idx="1">
+            <a:schemeClr val="accent1"/>
+          </a:lnRef>
+          <a:fillRef idx="0">
+            <a:schemeClr val="accent1"/>
+          </a:fillRef>
+          <a:effectRef idx="0">
+            <a:schemeClr val="accent1"/>
+          </a:effectRef>
+          <a:fontRef idx="minor">
+            <a:schemeClr val="tx1"/>
+          </a:fontRef>
+        </p:style>
+      </p:cxnSp>
+      <p:cxnSp>
+        <p:nvCxnSpPr>
+          <p:cNvPr id="45" name="直接箭头连接符 19">
+            <a:extLst>
+              <a:ext uri="{FF2B5EF4-FFF2-40B4-BE49-F238E27FC236}">
+                <a16:creationId xmlns:a16="http://schemas.microsoft.com/office/drawing/2014/main" id="{2032D991-B63B-4530-7EB5-BC49B2290C02}"/>
+              </a:ext>
+            </a:extLst>
+          </p:cNvPr>
+          <p:cNvCxnSpPr>
+            <a:cxnSpLocks/>
+            <a:stCxn id="2" idx="5"/>
+            <a:endCxn id="13" idx="0"/>
+          </p:cNvCxnSpPr>
+          <p:nvPr/>
+        </p:nvCxnSpPr>
+        <p:spPr>
+          <a:xfrm>
+            <a:off x="2581550" y="5022616"/>
+            <a:ext cx="195697" cy="191866"/>
+          </a:xfrm>
+          <a:prstGeom prst="straightConnector1">
+            <a:avLst/>
+          </a:prstGeom>
+          <a:ln>
+            <a:tailEnd type="triangle"/>
+          </a:ln>
+        </p:spPr>
+        <p:style>
+          <a:lnRef idx="1">
+            <a:schemeClr val="accent1"/>
+          </a:lnRef>
+          <a:fillRef idx="0">
+            <a:schemeClr val="accent1"/>
+          </a:fillRef>
+          <a:effectRef idx="0">
+            <a:schemeClr val="accent1"/>
+          </a:effectRef>
+          <a:fontRef idx="minor">
+            <a:schemeClr val="tx1"/>
+          </a:fontRef>
+        </p:style>
+      </p:cxnSp>
     </p:spTree>
     <p:extLst>
       <p:ext uri="{BB962C8B-B14F-4D97-AF65-F5344CB8AC3E}">
